--- a/Presention.pptx
+++ b/Presention.pptx
@@ -5574,6 +5574,10 @@
               <a:t>RoBERTa</a:t>
             </a:r>
             <a:r>
+              <a:rPr lang="en-US" sz="1200" dirty="0"/>
+              <a:t>(1)</a:t>
+            </a:r>
+            <a:r>
               <a:rPr lang="en-US" dirty="0"/>
               <a:t> model.</a:t>
             </a:r>
@@ -5621,6 +5625,29 @@
           </a:p>
           <a:p>
             <a:endParaRPr lang="en-US" dirty="0"/>
+          </a:p>
+          <a:p>
+            <a:endParaRPr lang="en-US" dirty="0"/>
+          </a:p>
+          <a:p>
+            <a:endParaRPr lang="en-US" dirty="0"/>
+          </a:p>
+          <a:p>
+            <a:pPr marL="0" indent="0">
+              <a:buNone/>
+            </a:pPr>
+            <a:r>
+              <a:rPr lang="en-US" sz="1000" dirty="0"/>
+              <a:t>(1) We used </a:t>
+            </a:r>
+            <a:r>
+              <a:rPr lang="en-US" sz="1000" dirty="0" err="1"/>
+              <a:t>RoBERTa</a:t>
+            </a:r>
+            <a:r>
+              <a:rPr lang="en-US" sz="1000" dirty="0"/>
+              <a:t>-based model (125M parameters)</a:t>
+            </a:r>
           </a:p>
         </p:txBody>
       </p:sp>
@@ -8264,245 +8291,6 @@
           </a:p>
         </p:txBody>
       </p:sp>
-      <p:graphicFrame>
-        <p:nvGraphicFramePr>
-          <p:cNvPr id="5" name="Таблица 5">
-            <a:extLst>
-              <a:ext uri="{FF2B5EF4-FFF2-40B4-BE49-F238E27FC236}">
-                <a16:creationId xmlns:a16="http://schemas.microsoft.com/office/drawing/2014/main" id="{4C7608F8-CA76-4179-94A0-3BEDBD14E664}"/>
-              </a:ext>
-            </a:extLst>
-          </p:cNvPr>
-          <p:cNvGraphicFramePr>
-            <a:graphicFrameLocks noGrp="1"/>
-          </p:cNvGraphicFramePr>
-          <p:nvPr>
-            <p:ph idx="1"/>
-            <p:extLst>
-              <p:ext uri="{D42A27DB-BD31-4B8C-83A1-F6EECF244321}">
-                <p14:modId xmlns:p14="http://schemas.microsoft.com/office/powerpoint/2010/main" val="1511172775"/>
-              </p:ext>
-            </p:extLst>
-          </p:nvPr>
-        </p:nvGraphicFramePr>
-        <p:xfrm>
-          <a:off x="2080470" y="2072917"/>
-          <a:ext cx="6761527" cy="2334340"/>
-        </p:xfrm>
-        <a:graphic>
-          <a:graphicData uri="http://schemas.openxmlformats.org/drawingml/2006/table">
-            <a:tbl>
-              <a:tblPr firstRow="1" bandRow="1">
-                <a:tableStyleId>{5C22544A-7EE6-4342-B048-85BDC9FD1C3A}</a:tableStyleId>
-              </a:tblPr>
-              <a:tblGrid>
-                <a:gridCol w="2994870">
-                  <a:extLst>
-                    <a:ext uri="{9D8B030D-6E8A-4147-A177-3AD203B41FA5}">
-                      <a16:colId xmlns:a16="http://schemas.microsoft.com/office/drawing/2014/main" val="4236123461"/>
-                    </a:ext>
-                  </a:extLst>
-                </a:gridCol>
-                <a:gridCol w="1795244">
-                  <a:extLst>
-                    <a:ext uri="{9D8B030D-6E8A-4147-A177-3AD203B41FA5}">
-                      <a16:colId xmlns:a16="http://schemas.microsoft.com/office/drawing/2014/main" val="446251259"/>
-                    </a:ext>
-                  </a:extLst>
-                </a:gridCol>
-                <a:gridCol w="1971413">
-                  <a:extLst>
-                    <a:ext uri="{9D8B030D-6E8A-4147-A177-3AD203B41FA5}">
-                      <a16:colId xmlns:a16="http://schemas.microsoft.com/office/drawing/2014/main" val="1457484007"/>
-                    </a:ext>
-                  </a:extLst>
-                </a:gridCol>
-              </a:tblGrid>
-              <a:tr h="583585">
-                <a:tc>
-                  <a:txBody>
-                    <a:bodyPr/>
-                    <a:lstStyle/>
-                    <a:p>
-                      <a:endParaRPr lang="en-US" dirty="0"/>
-                    </a:p>
-                  </a:txBody>
-                  <a:tcPr/>
-                </a:tc>
-                <a:tc>
-                  <a:txBody>
-                    <a:bodyPr/>
-                    <a:lstStyle/>
-                    <a:p>
-                      <a:r>
-                        <a:rPr lang="en-US" dirty="0"/>
-                        <a:t>Model A</a:t>
-                      </a:r>
-                    </a:p>
-                  </a:txBody>
-                  <a:tcPr/>
-                </a:tc>
-                <a:tc>
-                  <a:txBody>
-                    <a:bodyPr/>
-                    <a:lstStyle/>
-                    <a:p>
-                      <a:r>
-                        <a:rPr lang="en-US" dirty="0"/>
-                        <a:t>Model C</a:t>
-                      </a:r>
-                    </a:p>
-                  </a:txBody>
-                  <a:tcPr/>
-                </a:tc>
-                <a:extLst>
-                  <a:ext uri="{0D108BD9-81ED-4DB2-BD59-A6C34878D82A}">
-                    <a16:rowId xmlns:a16="http://schemas.microsoft.com/office/drawing/2014/main" val="3768795120"/>
-                  </a:ext>
-                </a:extLst>
-              </a:tr>
-              <a:tr h="583585">
-                <a:tc>
-                  <a:txBody>
-                    <a:bodyPr/>
-                    <a:lstStyle/>
-                    <a:p>
-                      <a:r>
-                        <a:rPr lang="en-US" dirty="0"/>
-                        <a:t>Train Accuracy</a:t>
-                      </a:r>
-                    </a:p>
-                  </a:txBody>
-                  <a:tcPr/>
-                </a:tc>
-                <a:tc>
-                  <a:txBody>
-                    <a:bodyPr/>
-                    <a:lstStyle/>
-                    <a:p>
-                      <a:r>
-                        <a:rPr lang="en-US" dirty="0"/>
-                        <a:t>92.15%</a:t>
-                      </a:r>
-                    </a:p>
-                  </a:txBody>
-                  <a:tcPr/>
-                </a:tc>
-                <a:tc>
-                  <a:txBody>
-                    <a:bodyPr/>
-                    <a:lstStyle/>
-                    <a:p>
-                      <a:r>
-                        <a:rPr lang="en-US" b="1" dirty="0"/>
-                        <a:t>99.45%</a:t>
-                      </a:r>
-                    </a:p>
-                  </a:txBody>
-                  <a:tcPr/>
-                </a:tc>
-                <a:extLst>
-                  <a:ext uri="{0D108BD9-81ED-4DB2-BD59-A6C34878D82A}">
-                    <a16:rowId xmlns:a16="http://schemas.microsoft.com/office/drawing/2014/main" val="1984219506"/>
-                  </a:ext>
-                </a:extLst>
-              </a:tr>
-              <a:tr h="583585">
-                <a:tc>
-                  <a:txBody>
-                    <a:bodyPr/>
-                    <a:lstStyle/>
-                    <a:p>
-                      <a:r>
-                        <a:rPr lang="en-US" dirty="0"/>
-                        <a:t>Validation Accuracy</a:t>
-                      </a:r>
-                    </a:p>
-                  </a:txBody>
-                  <a:tcPr/>
-                </a:tc>
-                <a:tc>
-                  <a:txBody>
-                    <a:bodyPr/>
-                    <a:lstStyle/>
-                    <a:p>
-                      <a:r>
-                        <a:rPr lang="en-US" dirty="0"/>
-                        <a:t>85.54</a:t>
-                      </a:r>
-                    </a:p>
-                  </a:txBody>
-                  <a:tcPr/>
-                </a:tc>
-                <a:tc>
-                  <a:txBody>
-                    <a:bodyPr/>
-                    <a:lstStyle/>
-                    <a:p>
-                      <a:r>
-                        <a:rPr lang="en-US" b="1" dirty="0"/>
-                        <a:t>88.48%</a:t>
-                      </a:r>
-                    </a:p>
-                  </a:txBody>
-                  <a:tcPr/>
-                </a:tc>
-                <a:extLst>
-                  <a:ext uri="{0D108BD9-81ED-4DB2-BD59-A6C34878D82A}">
-                    <a16:rowId xmlns:a16="http://schemas.microsoft.com/office/drawing/2014/main" val="3628509446"/>
-                  </a:ext>
-                </a:extLst>
-              </a:tr>
-              <a:tr h="583585">
-                <a:tc>
-                  <a:txBody>
-                    <a:bodyPr/>
-                    <a:lstStyle/>
-                    <a:p>
-                      <a:r>
-                        <a:rPr lang="en-US" dirty="0"/>
-                        <a:t>Test Accuracy</a:t>
-                      </a:r>
-                    </a:p>
-                  </a:txBody>
-                  <a:tcPr/>
-                </a:tc>
-                <a:tc>
-                  <a:txBody>
-                    <a:bodyPr/>
-                    <a:lstStyle/>
-                    <a:p>
-                      <a:r>
-                        <a:rPr lang="en-US" dirty="0"/>
-                        <a:t>85.68</a:t>
-                      </a:r>
-                    </a:p>
-                  </a:txBody>
-                  <a:tcPr/>
-                </a:tc>
-                <a:tc>
-                  <a:txBody>
-                    <a:bodyPr/>
-                    <a:lstStyle/>
-                    <a:p>
-                      <a:r>
-                        <a:rPr lang="en-US" b="1" dirty="0"/>
-                        <a:t>88.23%</a:t>
-                      </a:r>
-                    </a:p>
-                  </a:txBody>
-                  <a:tcPr/>
-                </a:tc>
-                <a:extLst>
-                  <a:ext uri="{0D108BD9-81ED-4DB2-BD59-A6C34878D82A}">
-                    <a16:rowId xmlns:a16="http://schemas.microsoft.com/office/drawing/2014/main" val="1950631415"/>
-                  </a:ext>
-                </a:extLst>
-              </a:tr>
-            </a:tbl>
-          </a:graphicData>
-        </a:graphic>
-      </p:graphicFrame>
       <p:sp>
         <p:nvSpPr>
           <p:cNvPr id="4" name="Дата 3">
@@ -8530,6 +8318,692 @@
               <a:t>25.06.2021</a:t>
             </a:fld>
             <a:endParaRPr lang="en-US"/>
+          </a:p>
+        </p:txBody>
+      </p:sp>
+      <p:graphicFrame>
+        <p:nvGraphicFramePr>
+          <p:cNvPr id="8" name="Таблица 7">
+            <a:extLst>
+              <a:ext uri="{FF2B5EF4-FFF2-40B4-BE49-F238E27FC236}">
+                <a16:creationId xmlns:a16="http://schemas.microsoft.com/office/drawing/2014/main" id="{B98BB7F6-33DA-40AA-85E1-FA2762FAA107}"/>
+              </a:ext>
+            </a:extLst>
+          </p:cNvPr>
+          <p:cNvGraphicFramePr>
+            <a:graphicFrameLocks noGrp="1"/>
+          </p:cNvGraphicFramePr>
+          <p:nvPr>
+            <p:extLst>
+              <p:ext uri="{D42A27DB-BD31-4B8C-83A1-F6EECF244321}">
+                <p14:modId xmlns:p14="http://schemas.microsoft.com/office/powerpoint/2010/main" val="4292670403"/>
+              </p:ext>
+            </p:extLst>
+          </p:nvPr>
+        </p:nvGraphicFramePr>
+        <p:xfrm>
+          <a:off x="1733550" y="2509547"/>
+          <a:ext cx="8724900" cy="2334260"/>
+        </p:xfrm>
+        <a:graphic>
+          <a:graphicData uri="http://schemas.openxmlformats.org/drawingml/2006/table">
+            <a:tbl>
+              <a:tblPr firstRow="1" bandRow="1">
+                <a:tableStyleId>{5C22544A-7EE6-4342-B048-85BDC9FD1C3A}</a:tableStyleId>
+              </a:tblPr>
+              <a:tblGrid>
+                <a:gridCol w="2997200">
+                  <a:extLst>
+                    <a:ext uri="{9D8B030D-6E8A-4147-A177-3AD203B41FA5}">
+                      <a16:colId xmlns:a16="http://schemas.microsoft.com/office/drawing/2014/main" val="3130362415"/>
+                    </a:ext>
+                  </a:extLst>
+                </a:gridCol>
+                <a:gridCol w="1790700">
+                  <a:extLst>
+                    <a:ext uri="{9D8B030D-6E8A-4147-A177-3AD203B41FA5}">
+                      <a16:colId xmlns:a16="http://schemas.microsoft.com/office/drawing/2014/main" val="2469475836"/>
+                    </a:ext>
+                  </a:extLst>
+                </a:gridCol>
+                <a:gridCol w="1968500">
+                  <a:extLst>
+                    <a:ext uri="{9D8B030D-6E8A-4147-A177-3AD203B41FA5}">
+                      <a16:colId xmlns:a16="http://schemas.microsoft.com/office/drawing/2014/main" val="3207970078"/>
+                    </a:ext>
+                  </a:extLst>
+                </a:gridCol>
+                <a:gridCol w="1968500">
+                  <a:extLst>
+                    <a:ext uri="{9D8B030D-6E8A-4147-A177-3AD203B41FA5}">
+                      <a16:colId xmlns:a16="http://schemas.microsoft.com/office/drawing/2014/main" val="4208775805"/>
+                    </a:ext>
+                  </a:extLst>
+                </a:gridCol>
+              </a:tblGrid>
+              <a:tr h="583565">
+                <a:tc>
+                  <a:txBody>
+                    <a:bodyPr/>
+                    <a:lstStyle/>
+                    <a:p>
+                      <a:pPr>
+                        <a:lnSpc>
+                          <a:spcPct val="107000"/>
+                        </a:lnSpc>
+                      </a:pPr>
+                      <a:endParaRPr lang="en-US" sz="1100">
+                        <a:effectLst/>
+                        <a:latin typeface="Calibri" panose="020F0502020204030204" pitchFamily="34" charset="0"/>
+                        <a:cs typeface="Arial" panose="020B0604020202020204" pitchFamily="34" charset="0"/>
+                      </a:endParaRPr>
+                    </a:p>
+                  </a:txBody>
+                  <a:tcPr/>
+                </a:tc>
+                <a:tc>
+                  <a:txBody>
+                    <a:bodyPr/>
+                    <a:lstStyle/>
+                    <a:p>
+                      <a:pPr marL="0" marR="0" algn="ctr">
+                        <a:lnSpc>
+                          <a:spcPct val="107000"/>
+                        </a:lnSpc>
+                        <a:spcBef>
+                          <a:spcPts val="0"/>
+                        </a:spcBef>
+                        <a:spcAft>
+                          <a:spcPts val="800"/>
+                        </a:spcAft>
+                      </a:pPr>
+                      <a:r>
+                        <a:rPr lang="en-US" sz="1100" dirty="0">
+                          <a:effectLst/>
+                        </a:rPr>
+                        <a:t>Model A</a:t>
+                      </a:r>
+                      <a:endParaRPr lang="en-US" sz="1100" dirty="0">
+                        <a:effectLst/>
+                        <a:latin typeface="Calibri" panose="020F0502020204030204" pitchFamily="34" charset="0"/>
+                        <a:ea typeface="Calibri" panose="020F0502020204030204" pitchFamily="34" charset="0"/>
+                        <a:cs typeface="Arial" panose="020B0604020202020204" pitchFamily="34" charset="0"/>
+                      </a:endParaRPr>
+                    </a:p>
+                  </a:txBody>
+                  <a:tcPr anchor="ctr"/>
+                </a:tc>
+                <a:tc>
+                  <a:txBody>
+                    <a:bodyPr/>
+                    <a:lstStyle/>
+                    <a:p>
+                      <a:pPr marL="0" marR="0" algn="ctr">
+                        <a:lnSpc>
+                          <a:spcPct val="107000"/>
+                        </a:lnSpc>
+                        <a:spcBef>
+                          <a:spcPts val="0"/>
+                        </a:spcBef>
+                        <a:spcAft>
+                          <a:spcPts val="800"/>
+                        </a:spcAft>
+                      </a:pPr>
+                      <a:r>
+                        <a:rPr lang="en-US" sz="1100" dirty="0">
+                          <a:effectLst/>
+                        </a:rPr>
+                        <a:t>Model C</a:t>
+                      </a:r>
+                      <a:endParaRPr lang="en-US" sz="1100" dirty="0">
+                        <a:effectLst/>
+                        <a:latin typeface="Calibri" panose="020F0502020204030204" pitchFamily="34" charset="0"/>
+                        <a:ea typeface="Calibri" panose="020F0502020204030204" pitchFamily="34" charset="0"/>
+                        <a:cs typeface="Arial" panose="020B0604020202020204" pitchFamily="34" charset="0"/>
+                      </a:endParaRPr>
+                    </a:p>
+                  </a:txBody>
+                  <a:tcPr anchor="ctr"/>
+                </a:tc>
+                <a:tc>
+                  <a:txBody>
+                    <a:bodyPr/>
+                    <a:lstStyle/>
+                    <a:p>
+                      <a:pPr marL="0" marR="0" algn="ctr">
+                        <a:lnSpc>
+                          <a:spcPct val="107000"/>
+                        </a:lnSpc>
+                        <a:spcBef>
+                          <a:spcPts val="0"/>
+                        </a:spcBef>
+                        <a:spcAft>
+                          <a:spcPts val="800"/>
+                        </a:spcAft>
+                      </a:pPr>
+                      <a:r>
+                        <a:rPr lang="en-US" sz="1100" dirty="0">
+                          <a:effectLst/>
+                        </a:rPr>
+                        <a:t> State-of-the-art [1]</a:t>
+                      </a:r>
+                      <a:endParaRPr lang="en-US" sz="1100" dirty="0">
+                        <a:effectLst/>
+                        <a:latin typeface="Calibri" panose="020F0502020204030204" pitchFamily="34" charset="0"/>
+                        <a:ea typeface="Calibri" panose="020F0502020204030204" pitchFamily="34" charset="0"/>
+                        <a:cs typeface="Arial" panose="020B0604020202020204" pitchFamily="34" charset="0"/>
+                      </a:endParaRPr>
+                    </a:p>
+                  </a:txBody>
+                  <a:tcPr marL="0" marR="0" marT="0" marB="0" anchor="ctr"/>
+                </a:tc>
+                <a:extLst>
+                  <a:ext uri="{0D108BD9-81ED-4DB2-BD59-A6C34878D82A}">
+                    <a16:rowId xmlns:a16="http://schemas.microsoft.com/office/drawing/2014/main" val="515401941"/>
+                  </a:ext>
+                </a:extLst>
+              </a:tr>
+              <a:tr h="583565">
+                <a:tc>
+                  <a:txBody>
+                    <a:bodyPr/>
+                    <a:lstStyle/>
+                    <a:p>
+                      <a:pPr marL="0" marR="0">
+                        <a:lnSpc>
+                          <a:spcPct val="107000"/>
+                        </a:lnSpc>
+                        <a:spcBef>
+                          <a:spcPts val="0"/>
+                        </a:spcBef>
+                        <a:spcAft>
+                          <a:spcPts val="800"/>
+                        </a:spcAft>
+                      </a:pPr>
+                      <a:r>
+                        <a:rPr lang="en-US" sz="1100" dirty="0">
+                          <a:effectLst/>
+                        </a:rPr>
+                        <a:t>Train Accuracy</a:t>
+                      </a:r>
+                      <a:endParaRPr lang="en-US" sz="1100" dirty="0">
+                        <a:effectLst/>
+                        <a:latin typeface="Calibri" panose="020F0502020204030204" pitchFamily="34" charset="0"/>
+                        <a:ea typeface="Calibri" panose="020F0502020204030204" pitchFamily="34" charset="0"/>
+                        <a:cs typeface="Arial" panose="020B0604020202020204" pitchFamily="34" charset="0"/>
+                      </a:endParaRPr>
+                    </a:p>
+                  </a:txBody>
+                  <a:tcPr/>
+                </a:tc>
+                <a:tc>
+                  <a:txBody>
+                    <a:bodyPr/>
+                    <a:lstStyle/>
+                    <a:p>
+                      <a:pPr marL="0" marR="0" algn="ctr">
+                        <a:lnSpc>
+                          <a:spcPct val="107000"/>
+                        </a:lnSpc>
+                        <a:spcBef>
+                          <a:spcPts val="0"/>
+                        </a:spcBef>
+                        <a:spcAft>
+                          <a:spcPts val="800"/>
+                        </a:spcAft>
+                      </a:pPr>
+                      <a:r>
+                        <a:rPr lang="en-US" sz="1100" dirty="0">
+                          <a:effectLst/>
+                        </a:rPr>
+                        <a:t>92.15%</a:t>
+                      </a:r>
+                      <a:endParaRPr lang="en-US" sz="1100" dirty="0">
+                        <a:effectLst/>
+                        <a:latin typeface="Calibri" panose="020F0502020204030204" pitchFamily="34" charset="0"/>
+                        <a:ea typeface="Calibri" panose="020F0502020204030204" pitchFamily="34" charset="0"/>
+                        <a:cs typeface="Arial" panose="020B0604020202020204" pitchFamily="34" charset="0"/>
+                      </a:endParaRPr>
+                    </a:p>
+                  </a:txBody>
+                  <a:tcPr anchor="ctr"/>
+                </a:tc>
+                <a:tc>
+                  <a:txBody>
+                    <a:bodyPr/>
+                    <a:lstStyle/>
+                    <a:p>
+                      <a:pPr marL="0" marR="0" algn="ctr">
+                        <a:lnSpc>
+                          <a:spcPct val="107000"/>
+                        </a:lnSpc>
+                        <a:spcBef>
+                          <a:spcPts val="0"/>
+                        </a:spcBef>
+                        <a:spcAft>
+                          <a:spcPts val="800"/>
+                        </a:spcAft>
+                      </a:pPr>
+                      <a:r>
+                        <a:rPr lang="en-US" sz="1100" dirty="0">
+                          <a:effectLst/>
+                        </a:rPr>
+                        <a:t>99.45%</a:t>
+                      </a:r>
+                      <a:endParaRPr lang="en-US" sz="1100" dirty="0">
+                        <a:effectLst/>
+                        <a:latin typeface="Calibri" panose="020F0502020204030204" pitchFamily="34" charset="0"/>
+                        <a:ea typeface="Calibri" panose="020F0502020204030204" pitchFamily="34" charset="0"/>
+                        <a:cs typeface="Arial" panose="020B0604020202020204" pitchFamily="34" charset="0"/>
+                      </a:endParaRPr>
+                    </a:p>
+                  </a:txBody>
+                  <a:tcPr anchor="ctr"/>
+                </a:tc>
+                <a:tc>
+                  <a:txBody>
+                    <a:bodyPr/>
+                    <a:lstStyle/>
+                    <a:p>
+                      <a:pPr marL="0" marR="0" algn="ctr">
+                        <a:lnSpc>
+                          <a:spcPct val="107000"/>
+                        </a:lnSpc>
+                        <a:spcBef>
+                          <a:spcPts val="0"/>
+                        </a:spcBef>
+                        <a:spcAft>
+                          <a:spcPts val="800"/>
+                        </a:spcAft>
+                      </a:pPr>
+                      <a:r>
+                        <a:rPr lang="en-US" sz="1100" dirty="0">
+                          <a:effectLst/>
+                        </a:rPr>
+                        <a:t> -</a:t>
+                      </a:r>
+                      <a:endParaRPr lang="en-US" sz="1100" dirty="0">
+                        <a:effectLst/>
+                        <a:latin typeface="Calibri" panose="020F0502020204030204" pitchFamily="34" charset="0"/>
+                        <a:ea typeface="Calibri" panose="020F0502020204030204" pitchFamily="34" charset="0"/>
+                        <a:cs typeface="Arial" panose="020B0604020202020204" pitchFamily="34" charset="0"/>
+                      </a:endParaRPr>
+                    </a:p>
+                  </a:txBody>
+                  <a:tcPr marL="0" marR="0" marT="0" marB="0" anchor="ctr"/>
+                </a:tc>
+                <a:extLst>
+                  <a:ext uri="{0D108BD9-81ED-4DB2-BD59-A6C34878D82A}">
+                    <a16:rowId xmlns:a16="http://schemas.microsoft.com/office/drawing/2014/main" val="1116672771"/>
+                  </a:ext>
+                </a:extLst>
+              </a:tr>
+              <a:tr h="583565">
+                <a:tc>
+                  <a:txBody>
+                    <a:bodyPr/>
+                    <a:lstStyle/>
+                    <a:p>
+                      <a:pPr marL="0" marR="0">
+                        <a:lnSpc>
+                          <a:spcPct val="107000"/>
+                        </a:lnSpc>
+                        <a:spcBef>
+                          <a:spcPts val="0"/>
+                        </a:spcBef>
+                        <a:spcAft>
+                          <a:spcPts val="800"/>
+                        </a:spcAft>
+                      </a:pPr>
+                      <a:r>
+                        <a:rPr lang="en-US" sz="1100" dirty="0">
+                          <a:effectLst/>
+                        </a:rPr>
+                        <a:t>Validation Accuracy</a:t>
+                      </a:r>
+                      <a:endParaRPr lang="en-US" sz="1100" dirty="0">
+                        <a:effectLst/>
+                        <a:latin typeface="Calibri" panose="020F0502020204030204" pitchFamily="34" charset="0"/>
+                        <a:ea typeface="Calibri" panose="020F0502020204030204" pitchFamily="34" charset="0"/>
+                        <a:cs typeface="Arial" panose="020B0604020202020204" pitchFamily="34" charset="0"/>
+                      </a:endParaRPr>
+                    </a:p>
+                  </a:txBody>
+                  <a:tcPr/>
+                </a:tc>
+                <a:tc>
+                  <a:txBody>
+                    <a:bodyPr/>
+                    <a:lstStyle/>
+                    <a:p>
+                      <a:pPr marL="0" marR="0" algn="ctr">
+                        <a:lnSpc>
+                          <a:spcPct val="107000"/>
+                        </a:lnSpc>
+                        <a:spcBef>
+                          <a:spcPts val="0"/>
+                        </a:spcBef>
+                        <a:spcAft>
+                          <a:spcPts val="800"/>
+                        </a:spcAft>
+                      </a:pPr>
+                      <a:r>
+                        <a:rPr lang="en-US" sz="1100" dirty="0">
+                          <a:effectLst/>
+                        </a:rPr>
+                        <a:t>85.54</a:t>
+                      </a:r>
+                      <a:endParaRPr lang="en-US" sz="1100" dirty="0">
+                        <a:effectLst/>
+                        <a:latin typeface="Calibri" panose="020F0502020204030204" pitchFamily="34" charset="0"/>
+                        <a:ea typeface="Calibri" panose="020F0502020204030204" pitchFamily="34" charset="0"/>
+                        <a:cs typeface="Arial" panose="020B0604020202020204" pitchFamily="34" charset="0"/>
+                      </a:endParaRPr>
+                    </a:p>
+                  </a:txBody>
+                  <a:tcPr anchor="ctr"/>
+                </a:tc>
+                <a:tc>
+                  <a:txBody>
+                    <a:bodyPr/>
+                    <a:lstStyle/>
+                    <a:p>
+                      <a:pPr marL="0" marR="0" algn="ctr">
+                        <a:lnSpc>
+                          <a:spcPct val="107000"/>
+                        </a:lnSpc>
+                        <a:spcBef>
+                          <a:spcPts val="0"/>
+                        </a:spcBef>
+                        <a:spcAft>
+                          <a:spcPts val="800"/>
+                        </a:spcAft>
+                      </a:pPr>
+                      <a:r>
+                        <a:rPr lang="en-US" sz="1100" dirty="0">
+                          <a:effectLst/>
+                        </a:rPr>
+                        <a:t>88.48%</a:t>
+                      </a:r>
+                      <a:endParaRPr lang="en-US" sz="1100" dirty="0">
+                        <a:effectLst/>
+                        <a:latin typeface="Calibri" panose="020F0502020204030204" pitchFamily="34" charset="0"/>
+                        <a:ea typeface="Calibri" panose="020F0502020204030204" pitchFamily="34" charset="0"/>
+                        <a:cs typeface="Arial" panose="020B0604020202020204" pitchFamily="34" charset="0"/>
+                      </a:endParaRPr>
+                    </a:p>
+                  </a:txBody>
+                  <a:tcPr anchor="ctr"/>
+                </a:tc>
+                <a:tc>
+                  <a:txBody>
+                    <a:bodyPr/>
+                    <a:lstStyle/>
+                    <a:p>
+                      <a:pPr marL="0" marR="0" algn="ctr">
+                        <a:lnSpc>
+                          <a:spcPct val="107000"/>
+                        </a:lnSpc>
+                        <a:spcBef>
+                          <a:spcPts val="0"/>
+                        </a:spcBef>
+                        <a:spcAft>
+                          <a:spcPts val="800"/>
+                        </a:spcAft>
+                      </a:pPr>
+                      <a:r>
+                        <a:rPr lang="en-US" sz="1100" dirty="0">
+                          <a:effectLst/>
+                        </a:rPr>
+                        <a:t> -</a:t>
+                      </a:r>
+                      <a:endParaRPr lang="en-US" sz="1100" dirty="0">
+                        <a:effectLst/>
+                        <a:latin typeface="Calibri" panose="020F0502020204030204" pitchFamily="34" charset="0"/>
+                        <a:ea typeface="Calibri" panose="020F0502020204030204" pitchFamily="34" charset="0"/>
+                        <a:cs typeface="Arial" panose="020B0604020202020204" pitchFamily="34" charset="0"/>
+                      </a:endParaRPr>
+                    </a:p>
+                  </a:txBody>
+                  <a:tcPr marL="0" marR="0" marT="0" marB="0" anchor="ctr"/>
+                </a:tc>
+                <a:extLst>
+                  <a:ext uri="{0D108BD9-81ED-4DB2-BD59-A6C34878D82A}">
+                    <a16:rowId xmlns:a16="http://schemas.microsoft.com/office/drawing/2014/main" val="3833521239"/>
+                  </a:ext>
+                </a:extLst>
+              </a:tr>
+              <a:tr h="583565">
+                <a:tc>
+                  <a:txBody>
+                    <a:bodyPr/>
+                    <a:lstStyle/>
+                    <a:p>
+                      <a:pPr marL="0" marR="0">
+                        <a:lnSpc>
+                          <a:spcPct val="107000"/>
+                        </a:lnSpc>
+                        <a:spcBef>
+                          <a:spcPts val="0"/>
+                        </a:spcBef>
+                        <a:spcAft>
+                          <a:spcPts val="800"/>
+                        </a:spcAft>
+                      </a:pPr>
+                      <a:r>
+                        <a:rPr lang="en-US" sz="1100" dirty="0">
+                          <a:effectLst/>
+                        </a:rPr>
+                        <a:t>Test Accuracy</a:t>
+                      </a:r>
+                      <a:endParaRPr lang="en-US" sz="1100" dirty="0">
+                        <a:effectLst/>
+                        <a:latin typeface="Calibri" panose="020F0502020204030204" pitchFamily="34" charset="0"/>
+                        <a:ea typeface="Calibri" panose="020F0502020204030204" pitchFamily="34" charset="0"/>
+                        <a:cs typeface="Arial" panose="020B0604020202020204" pitchFamily="34" charset="0"/>
+                      </a:endParaRPr>
+                    </a:p>
+                  </a:txBody>
+                  <a:tcPr/>
+                </a:tc>
+                <a:tc>
+                  <a:txBody>
+                    <a:bodyPr/>
+                    <a:lstStyle/>
+                    <a:p>
+                      <a:pPr marL="0" marR="0" algn="ctr">
+                        <a:lnSpc>
+                          <a:spcPct val="107000"/>
+                        </a:lnSpc>
+                        <a:spcBef>
+                          <a:spcPts val="0"/>
+                        </a:spcBef>
+                        <a:spcAft>
+                          <a:spcPts val="800"/>
+                        </a:spcAft>
+                      </a:pPr>
+                      <a:r>
+                        <a:rPr lang="en-US" sz="1100" dirty="0">
+                          <a:effectLst/>
+                        </a:rPr>
+                        <a:t>85.68</a:t>
+                      </a:r>
+                      <a:endParaRPr lang="en-US" sz="1100" dirty="0">
+                        <a:effectLst/>
+                        <a:latin typeface="Calibri" panose="020F0502020204030204" pitchFamily="34" charset="0"/>
+                        <a:ea typeface="Calibri" panose="020F0502020204030204" pitchFamily="34" charset="0"/>
+                        <a:cs typeface="Arial" panose="020B0604020202020204" pitchFamily="34" charset="0"/>
+                      </a:endParaRPr>
+                    </a:p>
+                  </a:txBody>
+                  <a:tcPr anchor="ctr"/>
+                </a:tc>
+                <a:tc>
+                  <a:txBody>
+                    <a:bodyPr/>
+                    <a:lstStyle/>
+                    <a:p>
+                      <a:pPr marL="0" marR="0" algn="ctr">
+                        <a:lnSpc>
+                          <a:spcPct val="107000"/>
+                        </a:lnSpc>
+                        <a:spcBef>
+                          <a:spcPts val="0"/>
+                        </a:spcBef>
+                        <a:spcAft>
+                          <a:spcPts val="800"/>
+                        </a:spcAft>
+                      </a:pPr>
+                      <a:r>
+                        <a:rPr lang="en-US" sz="1100" dirty="0">
+                          <a:effectLst/>
+                        </a:rPr>
+                        <a:t>88.23%</a:t>
+                      </a:r>
+                      <a:endParaRPr lang="en-US" sz="1100" dirty="0">
+                        <a:effectLst/>
+                        <a:latin typeface="Calibri" panose="020F0502020204030204" pitchFamily="34" charset="0"/>
+                        <a:ea typeface="Calibri" panose="020F0502020204030204" pitchFamily="34" charset="0"/>
+                        <a:cs typeface="Arial" panose="020B0604020202020204" pitchFamily="34" charset="0"/>
+                      </a:endParaRPr>
+                    </a:p>
+                  </a:txBody>
+                  <a:tcPr anchor="ctr"/>
+                </a:tc>
+                <a:tc>
+                  <a:txBody>
+                    <a:bodyPr/>
+                    <a:lstStyle/>
+                    <a:p>
+                      <a:pPr marL="0" marR="0" algn="ctr">
+                        <a:lnSpc>
+                          <a:spcPct val="107000"/>
+                        </a:lnSpc>
+                        <a:spcBef>
+                          <a:spcPts val="0"/>
+                        </a:spcBef>
+                        <a:spcAft>
+                          <a:spcPts val="800"/>
+                        </a:spcAft>
+                      </a:pPr>
+                      <a:r>
+                        <a:rPr lang="en-US" sz="1100" dirty="0">
+                          <a:effectLst/>
+                        </a:rPr>
+                        <a:t> </a:t>
+                      </a:r>
+                      <a:r>
+                        <a:rPr lang="en-US" sz="1100" b="1" dirty="0">
+                          <a:effectLst/>
+                        </a:rPr>
+                        <a:t>93.7</a:t>
+                      </a:r>
+                      <a:endParaRPr lang="en-US" sz="1100" b="1" dirty="0">
+                        <a:effectLst/>
+                        <a:latin typeface="Calibri" panose="020F0502020204030204" pitchFamily="34" charset="0"/>
+                        <a:ea typeface="Calibri" panose="020F0502020204030204" pitchFamily="34" charset="0"/>
+                        <a:cs typeface="Arial" panose="020B0604020202020204" pitchFamily="34" charset="0"/>
+                      </a:endParaRPr>
+                    </a:p>
+                  </a:txBody>
+                  <a:tcPr marL="0" marR="0" marT="0" marB="0" anchor="ctr"/>
+                </a:tc>
+                <a:extLst>
+                  <a:ext uri="{0D108BD9-81ED-4DB2-BD59-A6C34878D82A}">
+                    <a16:rowId xmlns:a16="http://schemas.microsoft.com/office/drawing/2014/main" val="1504972143"/>
+                  </a:ext>
+                </a:extLst>
+              </a:tr>
+            </a:tbl>
+          </a:graphicData>
+        </a:graphic>
+      </p:graphicFrame>
+      <p:sp>
+        <p:nvSpPr>
+          <p:cNvPr id="9" name="TextBox 8">
+            <a:extLst>
+              <a:ext uri="{FF2B5EF4-FFF2-40B4-BE49-F238E27FC236}">
+                <a16:creationId xmlns:a16="http://schemas.microsoft.com/office/drawing/2014/main" id="{94A90E95-87E0-46BA-80F6-74A5D07FD38C}"/>
+              </a:ext>
+            </a:extLst>
+          </p:cNvPr>
+          <p:cNvSpPr txBox="1"/>
+          <p:nvPr/>
+        </p:nvSpPr>
+        <p:spPr>
+          <a:xfrm>
+            <a:off x="1593908" y="5665708"/>
+            <a:ext cx="8103765" cy="584775"/>
+          </a:xfrm>
+          <a:prstGeom prst="rect">
+            <a:avLst/>
+          </a:prstGeom>
+          <a:noFill/>
+        </p:spPr>
+        <p:txBody>
+          <a:bodyPr wrap="square" rtlCol="0">
+            <a:spAutoFit/>
+          </a:bodyPr>
+          <a:lstStyle/>
+          <a:p>
+            <a:r>
+              <a:rPr lang="en-US" sz="1000" dirty="0"/>
+              <a:t>[1] </a:t>
+            </a:r>
+            <a:r>
+              <a:rPr lang="en-US" sz="1000" b="0" i="0" dirty="0">
+                <a:solidFill>
+                  <a:srgbClr val="222222"/>
+                </a:solidFill>
+                <a:effectLst/>
+                <a:latin typeface="Arial" panose="020B0604020202020204" pitchFamily="34" charset="0"/>
+              </a:rPr>
+              <a:t>Jiang, H., He, P., Chen, W., Liu, X., Gao, J., &amp; Zhao, T. (2019). Smart: Robust and efficient fine-tuning for pre-trained natural language models through principled regularized optimization. </a:t>
+            </a:r>
+            <a:r>
+              <a:rPr lang="en-US" sz="1000" b="0" i="1" dirty="0" err="1">
+                <a:solidFill>
+                  <a:srgbClr val="222222"/>
+                </a:solidFill>
+                <a:effectLst/>
+                <a:latin typeface="Arial" panose="020B0604020202020204" pitchFamily="34" charset="0"/>
+              </a:rPr>
+              <a:t>arXiv</a:t>
+            </a:r>
+            <a:r>
+              <a:rPr lang="en-US" sz="1000" b="0" i="1" dirty="0">
+                <a:solidFill>
+                  <a:srgbClr val="222222"/>
+                </a:solidFill>
+                <a:effectLst/>
+                <a:latin typeface="Arial" panose="020B0604020202020204" pitchFamily="34" charset="0"/>
+              </a:rPr>
+              <a:t> preprint arXiv:1911.03437</a:t>
+            </a:r>
+            <a:r>
+              <a:rPr lang="en-US" sz="1000" b="0" i="0" dirty="0">
+                <a:solidFill>
+                  <a:srgbClr val="222222"/>
+                </a:solidFill>
+                <a:effectLst/>
+                <a:latin typeface="Arial" panose="020B0604020202020204" pitchFamily="34" charset="0"/>
+              </a:rPr>
+              <a:t>. </a:t>
+            </a:r>
+          </a:p>
+          <a:p>
+            <a:r>
+              <a:rPr lang="en-US" sz="1200" b="1" i="1" dirty="0"/>
+              <a:t>in this paper </a:t>
+            </a:r>
+            <a:r>
+              <a:rPr lang="en-US" sz="1200" b="1" i="1" dirty="0" err="1"/>
+              <a:t>RoBERTa</a:t>
+            </a:r>
+            <a:r>
+              <a:rPr lang="en-US" sz="1200" b="1" i="1" dirty="0"/>
+              <a:t> large is used (355M)</a:t>
+            </a:r>
           </a:p>
         </p:txBody>
       </p:sp>
@@ -8619,7 +9093,7 @@
           <a:p>
             <a:r>
               <a:rPr lang="en-US" dirty="0"/>
-              <a:t>Flicker8k dataset: a data  set of 8000 captioned images.</a:t>
+              <a:t>Flicker30k dataset: a data  set of 30,000 captioned images.</a:t>
             </a:r>
           </a:p>
           <a:p>
